--- a/CourseFiles/Презентация курсовой Пугачёв.pptx
+++ b/CourseFiles/Презентация курсовой Пугачёв.pptx
@@ -269,7 +269,7 @@
           <a:p>
             <a:fld id="{4319DB69-E3AE-44C5-A027-DFEFDBC6DD80}" type="datetimeFigureOut">
               <a:rPr lang="ru-RU" smtClean="0"/>
-              <a:t>02.05.2024</a:t>
+              <a:t>03.05.2024</a:t>
             </a:fld>
             <a:endParaRPr lang="ru-RU"/>
           </a:p>
@@ -467,7 +467,7 @@
           <a:p>
             <a:fld id="{4319DB69-E3AE-44C5-A027-DFEFDBC6DD80}" type="datetimeFigureOut">
               <a:rPr lang="ru-RU" smtClean="0"/>
-              <a:t>02.05.2024</a:t>
+              <a:t>03.05.2024</a:t>
             </a:fld>
             <a:endParaRPr lang="ru-RU"/>
           </a:p>
@@ -675,7 +675,7 @@
           <a:p>
             <a:fld id="{4319DB69-E3AE-44C5-A027-DFEFDBC6DD80}" type="datetimeFigureOut">
               <a:rPr lang="ru-RU" smtClean="0"/>
-              <a:t>02.05.2024</a:t>
+              <a:t>03.05.2024</a:t>
             </a:fld>
             <a:endParaRPr lang="ru-RU"/>
           </a:p>
@@ -873,7 +873,7 @@
           <a:p>
             <a:fld id="{4319DB69-E3AE-44C5-A027-DFEFDBC6DD80}" type="datetimeFigureOut">
               <a:rPr lang="ru-RU" smtClean="0"/>
-              <a:t>02.05.2024</a:t>
+              <a:t>03.05.2024</a:t>
             </a:fld>
             <a:endParaRPr lang="ru-RU"/>
           </a:p>
@@ -1148,7 +1148,7 @@
           <a:p>
             <a:fld id="{4319DB69-E3AE-44C5-A027-DFEFDBC6DD80}" type="datetimeFigureOut">
               <a:rPr lang="ru-RU" smtClean="0"/>
-              <a:t>02.05.2024</a:t>
+              <a:t>03.05.2024</a:t>
             </a:fld>
             <a:endParaRPr lang="ru-RU"/>
           </a:p>
@@ -1413,7 +1413,7 @@
           <a:p>
             <a:fld id="{4319DB69-E3AE-44C5-A027-DFEFDBC6DD80}" type="datetimeFigureOut">
               <a:rPr lang="ru-RU" smtClean="0"/>
-              <a:t>02.05.2024</a:t>
+              <a:t>03.05.2024</a:t>
             </a:fld>
             <a:endParaRPr lang="ru-RU"/>
           </a:p>
@@ -1825,7 +1825,7 @@
           <a:p>
             <a:fld id="{4319DB69-E3AE-44C5-A027-DFEFDBC6DD80}" type="datetimeFigureOut">
               <a:rPr lang="ru-RU" smtClean="0"/>
-              <a:t>02.05.2024</a:t>
+              <a:t>03.05.2024</a:t>
             </a:fld>
             <a:endParaRPr lang="ru-RU"/>
           </a:p>
@@ -1966,7 +1966,7 @@
           <a:p>
             <a:fld id="{4319DB69-E3AE-44C5-A027-DFEFDBC6DD80}" type="datetimeFigureOut">
               <a:rPr lang="ru-RU" smtClean="0"/>
-              <a:t>02.05.2024</a:t>
+              <a:t>03.05.2024</a:t>
             </a:fld>
             <a:endParaRPr lang="ru-RU"/>
           </a:p>
@@ -2079,7 +2079,7 @@
           <a:p>
             <a:fld id="{4319DB69-E3AE-44C5-A027-DFEFDBC6DD80}" type="datetimeFigureOut">
               <a:rPr lang="ru-RU" smtClean="0"/>
-              <a:t>02.05.2024</a:t>
+              <a:t>03.05.2024</a:t>
             </a:fld>
             <a:endParaRPr lang="ru-RU"/>
           </a:p>
@@ -2390,7 +2390,7 @@
           <a:p>
             <a:fld id="{4319DB69-E3AE-44C5-A027-DFEFDBC6DD80}" type="datetimeFigureOut">
               <a:rPr lang="ru-RU" smtClean="0"/>
-              <a:t>02.05.2024</a:t>
+              <a:t>03.05.2024</a:t>
             </a:fld>
             <a:endParaRPr lang="ru-RU"/>
           </a:p>
@@ -2678,7 +2678,7 @@
           <a:p>
             <a:fld id="{4319DB69-E3AE-44C5-A027-DFEFDBC6DD80}" type="datetimeFigureOut">
               <a:rPr lang="ru-RU" smtClean="0"/>
-              <a:t>02.05.2024</a:t>
+              <a:t>03.05.2024</a:t>
             </a:fld>
             <a:endParaRPr lang="ru-RU"/>
           </a:p>
@@ -2919,7 +2919,7 @@
           <a:p>
             <a:fld id="{4319DB69-E3AE-44C5-A027-DFEFDBC6DD80}" type="datetimeFigureOut">
               <a:rPr lang="ru-RU" smtClean="0"/>
-              <a:t>02.05.2024</a:t>
+              <a:t>03.05.2024</a:t>
             </a:fld>
             <a:endParaRPr lang="ru-RU"/>
           </a:p>
@@ -3447,7 +3447,7 @@
         </p:nvSpPr>
         <p:spPr>
           <a:xfrm>
-            <a:off x="7992028" y="4153906"/>
+            <a:off x="8126499" y="4265054"/>
             <a:ext cx="3792070" cy="1874489"/>
           </a:xfrm>
           <a:prstGeom prst="rect">
@@ -3857,6 +3857,13 @@
               </a:rPr>
               <a:t>Калининград</a:t>
             </a:r>
+            <a:r>
+              <a:rPr lang="ru-RU" sz="1800" dirty="0">
+                <a:latin typeface="Times New Roman" panose="02020603050405020304" pitchFamily="18" charset="0"/>
+                <a:cs typeface="Times New Roman" panose="02020603050405020304" pitchFamily="18" charset="0"/>
+              </a:rPr>
+              <a:t/>
+            </a:r>
             <a:br>
               <a:rPr lang="ru-RU" sz="1800" dirty="0">
                 <a:latin typeface="Times New Roman" panose="02020603050405020304" pitchFamily="18" charset="0"/>
@@ -3887,7 +3894,7 @@
         </p:nvSpPr>
         <p:spPr>
           <a:xfrm>
-            <a:off x="2577538" y="305168"/>
+            <a:off x="2577540" y="285287"/>
             <a:ext cx="7036905" cy="1569660"/>
           </a:xfrm>
           <a:prstGeom prst="rect">
@@ -4306,7 +4313,21 @@
                 <a:latin typeface="Times New Roman" panose="02020603050405020304" pitchFamily="18" charset="0"/>
                 <a:cs typeface="Times New Roman" panose="02020603050405020304" pitchFamily="18" charset="0"/>
               </a:rPr>
-              <a:t>В результате выполнения данной курсовой работы было разработано приложение «</a:t>
+              <a:t>В результате выполнения данной </a:t>
+            </a:r>
+            <a:r>
+              <a:rPr lang="ru-RU" sz="2000" dirty="0" smtClean="0">
+                <a:latin typeface="Times New Roman" panose="02020603050405020304" pitchFamily="18" charset="0"/>
+                <a:cs typeface="Times New Roman" panose="02020603050405020304" pitchFamily="18" charset="0"/>
+              </a:rPr>
+              <a:t>курсового проекта </a:t>
+            </a:r>
+            <a:r>
+              <a:rPr lang="ru-RU" sz="2000" dirty="0">
+                <a:latin typeface="Times New Roman" panose="02020603050405020304" pitchFamily="18" charset="0"/>
+                <a:cs typeface="Times New Roman" panose="02020603050405020304" pitchFamily="18" charset="0"/>
+              </a:rPr>
+              <a:t>было разработано приложение «</a:t>
             </a:r>
             <a:r>
               <a:rPr lang="en-US" sz="2000" dirty="0">
